--- a/Slides/02. Ambiente de Trabalho - VS Code.pptx
+++ b/Slides/02. Ambiente de Trabalho - VS Code.pptx
@@ -153,16 +153,13 @@
 <file path=ppt/revisionInfo.xml><?xml version="1.0" encoding="utf-8"?>
 <p1510:revInfo xmlns:a="http://schemas.openxmlformats.org/drawingml/2006/main" xmlns:r="http://schemas.openxmlformats.org/officeDocument/2006/relationships" xmlns:p1510="http://schemas.microsoft.com/office/powerpoint/2015/10/main">
   <p1510:revLst>
-    <p1510:client id="{993C026F-6567-4425-AEB5-450C51685B6C}" v="6" dt="2019-09-23T19:18:54.583"/>
+    <p1510:client id="{60C4A0BA-CB36-4904-896B-D8471D06D32A}" v="5" dt="2021-03-01T19:55:09.489"/>
   </p1510:revLst>
 </p1510:revInfo>
 </file>
 
 <file path=ppt/changesInfos/changesInfo1.xml><?xml version="1.0" encoding="utf-8"?>
 <pc:chgInfo xmlns:a="http://schemas.openxmlformats.org/drawingml/2006/main" xmlns:r="http://schemas.openxmlformats.org/officeDocument/2006/relationships" xmlns:ac="http://schemas.microsoft.com/office/drawing/2013/main/command" xmlns:pc="http://schemas.microsoft.com/office/powerpoint/2013/main/command">
-  <pc:docChgLst>
-    <pc:chgData name="Judson Santiago" userId="ebb108da2f256286" providerId="LiveId" clId="{B2140F9C-BAF2-4952-879D-C8552C242669}"/>
-  </pc:docChgLst>
   <pc:docChgLst>
     <pc:chgData name="Judson Santiago" userId="ebb108da2f256286" providerId="LiveId" clId="{75EF8B0E-3215-4B21-8681-DFFEA93CD38A}"/>
     <pc:docChg chg="undo redo custSel modSld">
@@ -501,6 +498,244 @@
             <ac:grpSpMk id="5" creationId="{3FDF68DE-0392-4A06-BBBC-D61A363296A4}"/>
           </ac:grpSpMkLst>
         </pc:grpChg>
+      </pc:sldChg>
+    </pc:docChg>
+  </pc:docChgLst>
+  <pc:docChgLst>
+    <pc:chgData name="Judson Santiago" userId="ebb108da2f256286" providerId="LiveId" clId="{60C4A0BA-CB36-4904-896B-D8471D06D32A}"/>
+    <pc:docChg chg="custSel modSld">
+      <pc:chgData name="Judson Santiago" userId="ebb108da2f256286" providerId="LiveId" clId="{60C4A0BA-CB36-4904-896B-D8471D06D32A}" dt="2021-03-01T19:55:02.253" v="67" actId="732"/>
+      <pc:docMkLst>
+        <pc:docMk/>
+      </pc:docMkLst>
+      <pc:sldChg chg="addSp delSp modSp mod">
+        <pc:chgData name="Judson Santiago" userId="ebb108da2f256286" providerId="LiveId" clId="{60C4A0BA-CB36-4904-896B-D8471D06D32A}" dt="2021-03-01T18:30:46.963" v="9" actId="478"/>
+        <pc:sldMkLst>
+          <pc:docMk/>
+          <pc:sldMk cId="3388595726" sldId="310"/>
+        </pc:sldMkLst>
+        <pc:picChg chg="add del mod modCrop">
+          <ac:chgData name="Judson Santiago" userId="ebb108da2f256286" providerId="LiveId" clId="{60C4A0BA-CB36-4904-896B-D8471D06D32A}" dt="2021-03-01T18:29:41.632" v="3" actId="478"/>
+          <ac:picMkLst>
+            <pc:docMk/>
+            <pc:sldMk cId="3388595726" sldId="310"/>
+            <ac:picMk id="5" creationId="{47FDCF8B-6A1F-4BFF-B9CC-B94F88339042}"/>
+          </ac:picMkLst>
+        </pc:picChg>
+        <pc:picChg chg="del">
+          <ac:chgData name="Judson Santiago" userId="ebb108da2f256286" providerId="LiveId" clId="{60C4A0BA-CB36-4904-896B-D8471D06D32A}" dt="2021-03-01T18:30:46.963" v="9" actId="478"/>
+          <ac:picMkLst>
+            <pc:docMk/>
+            <pc:sldMk cId="3388595726" sldId="310"/>
+            <ac:picMk id="7" creationId="{CBA2499B-027B-41A3-88E2-6CB0273C9AA7}"/>
+          </ac:picMkLst>
+        </pc:picChg>
+        <pc:picChg chg="add mod modCrop">
+          <ac:chgData name="Judson Santiago" userId="ebb108da2f256286" providerId="LiveId" clId="{60C4A0BA-CB36-4904-896B-D8471D06D32A}" dt="2021-03-01T18:30:41.366" v="8" actId="14100"/>
+          <ac:picMkLst>
+            <pc:docMk/>
+            <pc:sldMk cId="3388595726" sldId="310"/>
+            <ac:picMk id="8" creationId="{E8F1472E-B8E3-45E6-9025-FF97F97C74B5}"/>
+          </ac:picMkLst>
+        </pc:picChg>
+      </pc:sldChg>
+      <pc:sldChg chg="addSp delSp modSp mod">
+        <pc:chgData name="Judson Santiago" userId="ebb108da2f256286" providerId="LiveId" clId="{60C4A0BA-CB36-4904-896B-D8471D06D32A}" dt="2021-03-01T18:38:02.118" v="20" actId="1076"/>
+        <pc:sldMkLst>
+          <pc:docMk/>
+          <pc:sldMk cId="2715471536" sldId="311"/>
+        </pc:sldMkLst>
+        <pc:picChg chg="add mod modCrop">
+          <ac:chgData name="Judson Santiago" userId="ebb108da2f256286" providerId="LiveId" clId="{60C4A0BA-CB36-4904-896B-D8471D06D32A}" dt="2021-03-01T18:38:02.118" v="20" actId="1076"/>
+          <ac:picMkLst>
+            <pc:docMk/>
+            <pc:sldMk cId="2715471536" sldId="311"/>
+            <ac:picMk id="5" creationId="{FAACE251-7496-45FA-8345-F7DCCBB35C2F}"/>
+          </ac:picMkLst>
+        </pc:picChg>
+        <pc:picChg chg="del">
+          <ac:chgData name="Judson Santiago" userId="ebb108da2f256286" providerId="LiveId" clId="{60C4A0BA-CB36-4904-896B-D8471D06D32A}" dt="2021-03-01T18:37:57.706" v="19" actId="478"/>
+          <ac:picMkLst>
+            <pc:docMk/>
+            <pc:sldMk cId="2715471536" sldId="311"/>
+            <ac:picMk id="7" creationId="{94F46F1D-6E49-4E60-9247-226185E382B7}"/>
+          </ac:picMkLst>
+        </pc:picChg>
+      </pc:sldChg>
+      <pc:sldChg chg="modSp mod">
+        <pc:chgData name="Judson Santiago" userId="ebb108da2f256286" providerId="LiveId" clId="{60C4A0BA-CB36-4904-896B-D8471D06D32A}" dt="2021-03-01T19:40:04.881" v="44" actId="20577"/>
+        <pc:sldMkLst>
+          <pc:docMk/>
+          <pc:sldMk cId="2851552245" sldId="312"/>
+        </pc:sldMkLst>
+        <pc:spChg chg="mod">
+          <ac:chgData name="Judson Santiago" userId="ebb108da2f256286" providerId="LiveId" clId="{60C4A0BA-CB36-4904-896B-D8471D06D32A}" dt="2021-03-01T19:40:04.881" v="44" actId="20577"/>
+          <ac:spMkLst>
+            <pc:docMk/>
+            <pc:sldMk cId="2851552245" sldId="312"/>
+            <ac:spMk id="3" creationId="{C2AA5F65-E244-4B8E-A430-578151503B3A}"/>
+          </ac:spMkLst>
+        </pc:spChg>
+      </pc:sldChg>
+      <pc:sldChg chg="addSp delSp modSp mod">
+        <pc:chgData name="Judson Santiago" userId="ebb108da2f256286" providerId="LiveId" clId="{60C4A0BA-CB36-4904-896B-D8471D06D32A}" dt="2021-03-01T19:55:02.253" v="67" actId="732"/>
+        <pc:sldMkLst>
+          <pc:docMk/>
+          <pc:sldMk cId="2366276186" sldId="317"/>
+        </pc:sldMkLst>
+        <pc:spChg chg="mod">
+          <ac:chgData name="Judson Santiago" userId="ebb108da2f256286" providerId="LiveId" clId="{60C4A0BA-CB36-4904-896B-D8471D06D32A}" dt="2021-03-01T19:53:44.636" v="66" actId="1076"/>
+          <ac:spMkLst>
+            <pc:docMk/>
+            <pc:sldMk cId="2366276186" sldId="317"/>
+            <ac:spMk id="8" creationId="{FC534FBE-7031-4079-B019-34FFE78C24A4}"/>
+          </ac:spMkLst>
+        </pc:spChg>
+        <pc:spChg chg="mod ord">
+          <ac:chgData name="Judson Santiago" userId="ebb108da2f256286" providerId="LiveId" clId="{60C4A0BA-CB36-4904-896B-D8471D06D32A}" dt="2021-03-01T19:53:44.636" v="66" actId="1076"/>
+          <ac:spMkLst>
+            <pc:docMk/>
+            <pc:sldMk cId="2366276186" sldId="317"/>
+            <ac:spMk id="11" creationId="{0A79DDDF-3778-42AD-9E09-9CAB80629103}"/>
+          </ac:spMkLst>
+        </pc:spChg>
+        <pc:picChg chg="del">
+          <ac:chgData name="Judson Santiago" userId="ebb108da2f256286" providerId="LiveId" clId="{60C4A0BA-CB36-4904-896B-D8471D06D32A}" dt="2021-03-01T19:53:07.884" v="59" actId="478"/>
+          <ac:picMkLst>
+            <pc:docMk/>
+            <pc:sldMk cId="2366276186" sldId="317"/>
+            <ac:picMk id="5" creationId="{971D1CB3-F952-4D58-9D85-B1E7E5E83FCC}"/>
+          </ac:picMkLst>
+        </pc:picChg>
+        <pc:picChg chg="add del mod modCrop">
+          <ac:chgData name="Judson Santiago" userId="ebb108da2f256286" providerId="LiveId" clId="{60C4A0BA-CB36-4904-896B-D8471D06D32A}" dt="2021-03-01T19:51:38.892" v="50" actId="478"/>
+          <ac:picMkLst>
+            <pc:docMk/>
+            <pc:sldMk cId="2366276186" sldId="317"/>
+            <ac:picMk id="6" creationId="{F97CC593-D24E-4C5B-86F8-F99C26F0F84B}"/>
+          </ac:picMkLst>
+        </pc:picChg>
+        <pc:picChg chg="add mod modCrop">
+          <ac:chgData name="Judson Santiago" userId="ebb108da2f256286" providerId="LiveId" clId="{60C4A0BA-CB36-4904-896B-D8471D06D32A}" dt="2021-03-01T19:55:02.253" v="67" actId="732"/>
+          <ac:picMkLst>
+            <pc:docMk/>
+            <pc:sldMk cId="2366276186" sldId="317"/>
+            <ac:picMk id="9" creationId="{EAB2CD94-2092-4ECA-A9B8-0E9FBA43C830}"/>
+          </ac:picMkLst>
+        </pc:picChg>
+      </pc:sldChg>
+    </pc:docChg>
+  </pc:docChgLst>
+  <pc:docChgLst>
+    <pc:chgData name="Judson Santiago" userId="ebb108da2f256286" providerId="LiveId" clId="{E5670A64-2A6E-49CD-9065-02D1ECFC3282}"/>
+    <pc:docChg chg="undo custSel modSld">
+      <pc:chgData name="Judson Santiago" userId="ebb108da2f256286" providerId="LiveId" clId="{E5670A64-2A6E-49CD-9065-02D1ECFC3282}" dt="2020-11-02T04:41:02.335" v="841" actId="20577"/>
+      <pc:docMkLst>
+        <pc:docMk/>
+      </pc:docMkLst>
+      <pc:sldChg chg="modNotesTx">
+        <pc:chgData name="Judson Santiago" userId="ebb108da2f256286" providerId="LiveId" clId="{E5670A64-2A6E-49CD-9065-02D1ECFC3282}" dt="2020-11-02T03:13:07.697" v="607" actId="20577"/>
+        <pc:sldMkLst>
+          <pc:docMk/>
+          <pc:sldMk cId="2808920126" sldId="265"/>
+        </pc:sldMkLst>
+      </pc:sldChg>
+      <pc:sldChg chg="modNotesTx">
+        <pc:chgData name="Judson Santiago" userId="ebb108da2f256286" providerId="LiveId" clId="{E5670A64-2A6E-49CD-9065-02D1ECFC3282}" dt="2020-11-02T04:41:02.335" v="841" actId="20577"/>
+        <pc:sldMkLst>
+          <pc:docMk/>
+          <pc:sldMk cId="1951711801" sldId="286"/>
+        </pc:sldMkLst>
+      </pc:sldChg>
+      <pc:sldChg chg="modSp mod">
+        <pc:chgData name="Judson Santiago" userId="ebb108da2f256286" providerId="LiveId" clId="{E5670A64-2A6E-49CD-9065-02D1ECFC3282}" dt="2020-11-02T03:45:35.863" v="609" actId="20577"/>
+        <pc:sldMkLst>
+          <pc:docMk/>
+          <pc:sldMk cId="2851552245" sldId="312"/>
+        </pc:sldMkLst>
+        <pc:spChg chg="mod">
+          <ac:chgData name="Judson Santiago" userId="ebb108da2f256286" providerId="LiveId" clId="{E5670A64-2A6E-49CD-9065-02D1ECFC3282}" dt="2020-11-02T03:45:35.863" v="609" actId="20577"/>
+          <ac:spMkLst>
+            <pc:docMk/>
+            <pc:sldMk cId="2851552245" sldId="312"/>
+            <ac:spMk id="3" creationId="{C2AA5F65-E244-4B8E-A430-578151503B3A}"/>
+          </ac:spMkLst>
+        </pc:spChg>
+      </pc:sldChg>
+      <pc:sldChg chg="modSp mod">
+        <pc:chgData name="Judson Santiago" userId="ebb108da2f256286" providerId="LiveId" clId="{E5670A64-2A6E-49CD-9065-02D1ECFC3282}" dt="2020-11-02T04:08:42.069" v="619" actId="20577"/>
+        <pc:sldMkLst>
+          <pc:docMk/>
+          <pc:sldMk cId="2819253662" sldId="313"/>
+        </pc:sldMkLst>
+        <pc:spChg chg="mod">
+          <ac:chgData name="Judson Santiago" userId="ebb108da2f256286" providerId="LiveId" clId="{E5670A64-2A6E-49CD-9065-02D1ECFC3282}" dt="2020-11-02T04:08:42.069" v="619" actId="20577"/>
+          <ac:spMkLst>
+            <pc:docMk/>
+            <pc:sldMk cId="2819253662" sldId="313"/>
+            <ac:spMk id="3" creationId="{C2AA5F65-E244-4B8E-A430-578151503B3A}"/>
+          </ac:spMkLst>
+        </pc:spChg>
+      </pc:sldChg>
+      <pc:sldChg chg="modSp mod">
+        <pc:chgData name="Judson Santiago" userId="ebb108da2f256286" providerId="LiveId" clId="{E5670A64-2A6E-49CD-9065-02D1ECFC3282}" dt="2020-11-02T04:26:46.179" v="623" actId="6549"/>
+        <pc:sldMkLst>
+          <pc:docMk/>
+          <pc:sldMk cId="216949117" sldId="315"/>
+        </pc:sldMkLst>
+        <pc:spChg chg="mod">
+          <ac:chgData name="Judson Santiago" userId="ebb108da2f256286" providerId="LiveId" clId="{E5670A64-2A6E-49CD-9065-02D1ECFC3282}" dt="2020-11-02T04:26:46.179" v="623" actId="6549"/>
+          <ac:spMkLst>
+            <pc:docMk/>
+            <pc:sldMk cId="216949117" sldId="315"/>
+            <ac:spMk id="8" creationId="{184D8056-7889-44CD-8279-5F1CEA75DCBD}"/>
+          </ac:spMkLst>
+        </pc:spChg>
+      </pc:sldChg>
+      <pc:sldChg chg="modSp mod">
+        <pc:chgData name="Judson Santiago" userId="ebb108da2f256286" providerId="LiveId" clId="{E5670A64-2A6E-49CD-9065-02D1ECFC3282}" dt="2020-11-02T04:36:23.799" v="624" actId="207"/>
+        <pc:sldMkLst>
+          <pc:docMk/>
+          <pc:sldMk cId="2366276186" sldId="317"/>
+        </pc:sldMkLst>
+        <pc:spChg chg="mod">
+          <ac:chgData name="Judson Santiago" userId="ebb108da2f256286" providerId="LiveId" clId="{E5670A64-2A6E-49CD-9065-02D1ECFC3282}" dt="2020-11-02T04:36:23.799" v="624" actId="207"/>
+          <ac:spMkLst>
+            <pc:docMk/>
+            <pc:sldMk cId="2366276186" sldId="317"/>
+            <ac:spMk id="3" creationId="{5DE66B27-C7A9-4D32-8C7C-A5949D709D22}"/>
+          </ac:spMkLst>
+        </pc:spChg>
+      </pc:sldChg>
+      <pc:sldChg chg="modSp mod">
+        <pc:chgData name="Judson Santiago" userId="ebb108da2f256286" providerId="LiveId" clId="{E5670A64-2A6E-49CD-9065-02D1ECFC3282}" dt="2020-11-02T04:37:47.675" v="632" actId="313"/>
+        <pc:sldMkLst>
+          <pc:docMk/>
+          <pc:sldMk cId="1929981082" sldId="319"/>
+        </pc:sldMkLst>
+        <pc:spChg chg="mod">
+          <ac:chgData name="Judson Santiago" userId="ebb108da2f256286" providerId="LiveId" clId="{E5670A64-2A6E-49CD-9065-02D1ECFC3282}" dt="2020-11-02T04:37:47.675" v="632" actId="313"/>
+          <ac:spMkLst>
+            <pc:docMk/>
+            <pc:sldMk cId="1929981082" sldId="319"/>
+            <ac:spMk id="3" creationId="{AD342B88-6BE6-4F4C-8AA9-068A51C42447}"/>
+          </ac:spMkLst>
+        </pc:spChg>
+      </pc:sldChg>
+      <pc:sldChg chg="modSp mod">
+        <pc:chgData name="Judson Santiago" userId="ebb108da2f256286" providerId="LiveId" clId="{E5670A64-2A6E-49CD-9065-02D1ECFC3282}" dt="2020-11-02T03:58:07.920" v="611" actId="6549"/>
+        <pc:sldMkLst>
+          <pc:docMk/>
+          <pc:sldMk cId="1373677792" sldId="320"/>
+        </pc:sldMkLst>
+        <pc:spChg chg="mod">
+          <ac:chgData name="Judson Santiago" userId="ebb108da2f256286" providerId="LiveId" clId="{E5670A64-2A6E-49CD-9065-02D1ECFC3282}" dt="2020-11-02T03:58:07.920" v="611" actId="6549"/>
+          <ac:spMkLst>
+            <pc:docMk/>
+            <pc:sldMk cId="1373677792" sldId="320"/>
+            <ac:spMk id="4" creationId="{2DEFD484-0B78-40E4-9DF2-261A30084872}"/>
+          </ac:spMkLst>
+        </pc:spChg>
       </pc:sldChg>
     </pc:docChg>
   </pc:docChgLst>
@@ -8847,7 +9082,7 @@
             <a:pPr rtl="0"/>
             <a:fld id="{6BFEDBB9-17B2-4B3E-927F-6A2C95FBF9DC}" type="datetime1">
               <a:rPr lang="pt-BR" smtClean="0"/>
-              <a:t>23/09/2019</a:t>
+              <a:t>01/03/2021</a:t>
             </a:fld>
             <a:endParaRPr lang="pt-BR" dirty="0"/>
           </a:p>
@@ -9017,7 +9252,7 @@
             <a:pPr rtl="0"/>
             <a:fld id="{7CFDB409-DC9D-40CF-939D-973CAB3BAB25}" type="datetime1">
               <a:rPr lang="pt-BR" noProof="0" smtClean="0"/>
-              <a:t>23/09/2019</a:t>
+              <a:t>01/03/2021</a:t>
             </a:fld>
             <a:endParaRPr lang="pt-BR" noProof="0" dirty="0"/>
           </a:p>
@@ -9332,7 +9567,34 @@
           <a:bodyPr/>
           <a:lstStyle/>
           <a:p>
-            <a:endParaRPr lang="pt-BR" dirty="0"/>
+            <a:r>
+              <a:rPr lang="pt-BR" dirty="0"/>
+              <a:t>Nesta aula vamos conhecer o Visual Studio </a:t>
+            </a:r>
+            <a:r>
+              <a:rPr lang="pt-BR" dirty="0" err="1"/>
+              <a:t>Code</a:t>
+            </a:r>
+            <a:r>
+              <a:rPr lang="pt-BR" dirty="0"/>
+              <a:t>, ver como configurá-lo para funcionar com a linguagem C++ e integrá-lo com as ferramentas g++, </a:t>
+            </a:r>
+            <a:r>
+              <a:rPr lang="pt-BR" dirty="0" err="1"/>
+              <a:t>gdb</a:t>
+            </a:r>
+            <a:r>
+              <a:rPr lang="pt-BR" dirty="0"/>
+              <a:t>, make e </a:t>
+            </a:r>
+            <a:r>
+              <a:rPr lang="pt-BR" dirty="0" err="1"/>
+              <a:t>cmake</a:t>
+            </a:r>
+            <a:r>
+              <a:rPr lang="pt-BR" dirty="0"/>
+              <a:t>, que estudamos na última aula. Com esse conteúdo fechamos o estudo do ambiente de trabalho que será usado durante o curso de compiladores.</a:t>
+            </a:r>
           </a:p>
         </p:txBody>
       </p:sp>
@@ -9573,6 +9835,94 @@
     <p:extLst>
       <p:ext uri="{BB962C8B-B14F-4D97-AF65-F5344CB8AC3E}">
         <p14:creationId xmlns:p14="http://schemas.microsoft.com/office/powerpoint/2010/main" val="1429266707"/>
+      </p:ext>
+    </p:extLst>
+  </p:cSld>
+  <p:clrMapOvr>
+    <a:masterClrMapping/>
+  </p:clrMapOvr>
+</p:notes>
+</file>
+
+<file path=ppt/notesSlides/notesSlide12.xml><?xml version="1.0" encoding="utf-8"?>
+<p:notes xmlns:a="http://schemas.openxmlformats.org/drawingml/2006/main" xmlns:r="http://schemas.openxmlformats.org/officeDocument/2006/relationships" xmlns:p="http://schemas.openxmlformats.org/presentationml/2006/main">
+  <p:cSld>
+    <p:spTree>
+      <p:nvGrpSpPr>
+        <p:cNvPr id="1" name=""/>
+        <p:cNvGrpSpPr/>
+        <p:nvPr/>
+      </p:nvGrpSpPr>
+      <p:grpSpPr>
+        <a:xfrm>
+          <a:off x="0" y="0"/>
+          <a:ext cx="0" cy="0"/>
+          <a:chOff x="0" y="0"/>
+          <a:chExt cx="0" cy="0"/>
+        </a:xfrm>
+      </p:grpSpPr>
+      <p:sp>
+        <p:nvSpPr>
+          <p:cNvPr id="2" name="Espaço Reservado para Imagem de Slide 1"/>
+          <p:cNvSpPr>
+            <a:spLocks noGrp="1" noRot="1" noChangeAspect="1"/>
+          </p:cNvSpPr>
+          <p:nvPr>
+            <p:ph type="sldImg"/>
+          </p:nvPr>
+        </p:nvSpPr>
+        <p:spPr/>
+      </p:sp>
+      <p:sp>
+        <p:nvSpPr>
+          <p:cNvPr id="3" name="Espaço Reservado para Anotações 2"/>
+          <p:cNvSpPr>
+            <a:spLocks noGrp="1"/>
+          </p:cNvSpPr>
+          <p:nvPr>
+            <p:ph type="body" idx="1"/>
+          </p:nvPr>
+        </p:nvSpPr>
+        <p:spPr/>
+        <p:txBody>
+          <a:bodyPr/>
+          <a:lstStyle/>
+          <a:p>
+            <a:r>
+              <a:rPr lang="pt-BR" dirty="0"/>
+              <a:t>Na próxima aula vamos estudar a tradução dirigida por sintaxe, que é uma técnica de tradução que demonstra de forma simples como pode ser feita a análise sintática de um programa.</a:t>
+            </a:r>
+          </a:p>
+        </p:txBody>
+      </p:sp>
+      <p:sp>
+        <p:nvSpPr>
+          <p:cNvPr id="4" name="Espaço Reservado para Número de Slide 3"/>
+          <p:cNvSpPr>
+            <a:spLocks noGrp="1"/>
+          </p:cNvSpPr>
+          <p:nvPr>
+            <p:ph type="sldNum" sz="quarter" idx="5"/>
+          </p:nvPr>
+        </p:nvSpPr>
+        <p:spPr/>
+        <p:txBody>
+          <a:bodyPr/>
+          <a:lstStyle/>
+          <a:p>
+            <a:pPr rtl="0"/>
+            <a:fld id="{F93199CD-3E1B-4AE6-990F-76F925F5EA9F}" type="slidenum">
+              <a:rPr lang="pt-BR" noProof="0" smtClean="0"/>
+              <a:t>16</a:t>
+            </a:fld>
+            <a:endParaRPr lang="pt-BR" noProof="0" dirty="0"/>
+          </a:p>
+        </p:txBody>
+      </p:sp>
+    </p:spTree>
+    <p:extLst>
+      <p:ext uri="{BB962C8B-B14F-4D97-AF65-F5344CB8AC3E}">
+        <p14:creationId xmlns:p14="http://schemas.microsoft.com/office/powerpoint/2010/main" val="2100574398"/>
       </p:ext>
     </p:extLst>
   </p:cSld>
@@ -10966,7 +11316,7 @@
             <a:pPr rtl="0"/>
             <a:fld id="{7386073F-07CC-4F54-983C-A08F76E2B22C}" type="datetime1">
               <a:rPr lang="pt-BR" noProof="0" smtClean="0"/>
-              <a:t>23/09/2019</a:t>
+              <a:t>01/03/2021</a:t>
             </a:fld>
             <a:endParaRPr lang="pt-BR" noProof="0" dirty="0"/>
           </a:p>
@@ -11190,7 +11540,7 @@
             <a:pPr rtl="0"/>
             <a:fld id="{A09B9D17-E8D2-48F1-BB8E-8435624068C9}" type="datetime1">
               <a:rPr lang="pt-BR" noProof="0" smtClean="0"/>
-              <a:t>23/09/2019</a:t>
+              <a:t>01/03/2021</a:t>
             </a:fld>
             <a:endParaRPr lang="pt-BR" noProof="0" dirty="0"/>
           </a:p>
@@ -11478,7 +11828,7 @@
             <a:pPr rtl="0"/>
             <a:fld id="{3CC651F5-80DD-4CFE-BBBA-2C23591EF509}" type="datetime1">
               <a:rPr lang="pt-BR" noProof="0" smtClean="0"/>
-              <a:t>23/09/2019</a:t>
+              <a:t>01/03/2021</a:t>
             </a:fld>
             <a:endParaRPr lang="pt-BR" noProof="0" dirty="0"/>
           </a:p>
@@ -11808,7 +12158,7 @@
             <a:pPr rtl="0"/>
             <a:fld id="{E20F3F8A-A3F9-49EF-8A63-4F3E8648871C}" type="datetime1">
               <a:rPr lang="pt-BR" noProof="0" smtClean="0"/>
-              <a:t>23/09/2019</a:t>
+              <a:t>01/03/2021</a:t>
             </a:fld>
             <a:endParaRPr lang="pt-BR" noProof="0" dirty="0"/>
           </a:p>
@@ -12290,7 +12640,7 @@
             <a:pPr rtl="0"/>
             <a:fld id="{DEB5B092-D646-433C-8E29-1081397BD56B}" type="datetime1">
               <a:rPr lang="pt-BR" noProof="0" smtClean="0"/>
-              <a:t>23/09/2019</a:t>
+              <a:t>01/03/2021</a:t>
             </a:fld>
             <a:endParaRPr lang="pt-BR" noProof="0" dirty="0"/>
           </a:p>
@@ -12418,7 +12768,7 @@
             <a:pPr rtl="0"/>
             <a:fld id="{BB4CE6DC-A634-42A5-81DE-6C671B621413}" type="datetime1">
               <a:rPr lang="pt-BR" noProof="0" smtClean="0"/>
-              <a:t>23/09/2019</a:t>
+              <a:t>01/03/2021</a:t>
             </a:fld>
             <a:endParaRPr lang="pt-BR" noProof="0" dirty="0"/>
           </a:p>
@@ -12738,7 +13088,7 @@
             <a:pPr rtl="0"/>
             <a:fld id="{D2212A4E-660E-4296-8499-89CF1C51321A}" type="datetime1">
               <a:rPr lang="pt-BR" noProof="0" smtClean="0"/>
-              <a:t>23/09/2019</a:t>
+              <a:t>01/03/2021</a:t>
             </a:fld>
             <a:endParaRPr lang="pt-BR" noProof="0" dirty="0"/>
           </a:p>
@@ -13076,7 +13426,7 @@
             <a:pPr rtl="0"/>
             <a:fld id="{B1912D32-F3CE-450A-AE4E-30B99005B8FD}" type="datetime1">
               <a:rPr lang="pt-BR" noProof="0" smtClean="0"/>
-              <a:t>23/09/2019</a:t>
+              <a:t>01/03/2021</a:t>
             </a:fld>
             <a:endParaRPr lang="pt-BR" noProof="0" dirty="0"/>
           </a:p>
@@ -13274,7 +13624,7 @@
             <a:pPr rtl="0"/>
             <a:fld id="{7B7F50BC-2F98-4AAD-BE27-6A84E4E8AC1C}" type="datetime1">
               <a:rPr lang="pt-BR" noProof="0" smtClean="0"/>
-              <a:t>23/09/2019</a:t>
+              <a:t>01/03/2021</a:t>
             </a:fld>
             <a:endParaRPr lang="pt-BR" noProof="0" dirty="0"/>
           </a:p>
@@ -13525,7 +13875,7 @@
             <a:pPr rtl="0"/>
             <a:fld id="{BFCDB3FC-E508-4872-9DA3-DD0C1E84DD1A}" type="datetime1">
               <a:rPr lang="pt-BR" noProof="0" smtClean="0"/>
-              <a:t>23/09/2019</a:t>
+              <a:t>01/03/2021</a:t>
             </a:fld>
             <a:endParaRPr lang="pt-BR" noProof="0" dirty="0"/>
           </a:p>
@@ -19407,25 +19757,7 @@
           <a:p>
             <a:r>
               <a:rPr lang="pt-BR" dirty="0"/>
-              <a:t>As tarefas podem ser executadas através:</a:t>
-            </a:r>
-          </a:p>
-          <a:p>
-            <a:pPr lvl="1"/>
-            <a:r>
-              <a:rPr lang="pt-BR" dirty="0"/>
-              <a:t>Menu Terminal - Executar Tarefa... </a:t>
-            </a:r>
-          </a:p>
-          <a:p>
-            <a:pPr lvl="1"/>
-            <a:r>
-              <a:rPr lang="pt-BR" dirty="0" err="1"/>
-              <a:t>Ctrl+Shift+B</a:t>
-            </a:r>
-            <a:r>
-              <a:rPr lang="pt-BR" dirty="0"/>
-              <a:t> para a </a:t>
+              <a:t>As </a:t>
             </a:r>
             <a:r>
               <a:rPr lang="pt-BR" dirty="0">
@@ -19435,46 +19767,43 @@
                   </a:schemeClr>
                 </a:solidFill>
               </a:rPr>
+              <a:t>tarefas</a:t>
+            </a:r>
+            <a:r>
+              <a:rPr lang="pt-BR" dirty="0"/>
+              <a:t> podem ser executadas através:</a:t>
+            </a:r>
+          </a:p>
+          <a:p>
+            <a:pPr lvl="1"/>
+            <a:r>
+              <a:rPr lang="pt-BR" dirty="0"/>
+              <a:t>Menu Terminal - Executar Tarefa... </a:t>
+            </a:r>
+          </a:p>
+          <a:p>
+            <a:pPr lvl="1"/>
+            <a:r>
+              <a:rPr lang="pt-BR" dirty="0" err="1"/>
+              <a:t>Ctrl+Shift+B</a:t>
+            </a:r>
+            <a:r>
+              <a:rPr lang="pt-BR" dirty="0"/>
+              <a:t> para a </a:t>
+            </a:r>
+            <a:r>
+              <a:rPr lang="pt-BR" dirty="0">
+                <a:solidFill>
+                  <a:schemeClr val="accent1">
+                    <a:lumMod val="75000"/>
+                  </a:schemeClr>
+                </a:solidFill>
+              </a:rPr>
               <a:t>tarefa padrão de compilação</a:t>
             </a:r>
           </a:p>
         </p:txBody>
       </p:sp>
-      <p:pic>
-        <p:nvPicPr>
-          <p:cNvPr id="5" name="Imagem 4">
-            <a:extLst>
-              <a:ext uri="{FF2B5EF4-FFF2-40B4-BE49-F238E27FC236}">
-                <a16:creationId xmlns:a16="http://schemas.microsoft.com/office/drawing/2014/main" id="{971D1CB3-F952-4D58-9D85-B1E7E5E83FCC}"/>
-              </a:ext>
-            </a:extLst>
-          </p:cNvPr>
-          <p:cNvPicPr>
-            <a:picLocks noChangeAspect="1"/>
-          </p:cNvPicPr>
-          <p:nvPr/>
-        </p:nvPicPr>
-        <p:blipFill rotWithShape="1">
-          <a:blip r:embed="rId2">
-            <a:extLst>
-              <a:ext uri="{28A0092B-C50C-407E-A947-70E740481C1C}">
-                <a14:useLocalDpi xmlns:a14="http://schemas.microsoft.com/office/drawing/2010/main" val="0"/>
-              </a:ext>
-            </a:extLst>
-          </a:blip>
-          <a:srcRect t="9160"/>
-          <a:stretch/>
-        </p:blipFill>
-        <p:spPr>
-          <a:xfrm>
-            <a:off x="1701924" y="3543301"/>
-            <a:ext cx="6126862" cy="2691952"/>
-          </a:xfrm>
-          <a:prstGeom prst="rect">
-            <a:avLst/>
-          </a:prstGeom>
-        </p:spPr>
-      </p:pic>
       <p:sp>
         <p:nvSpPr>
           <p:cNvPr id="2" name="Título 1">
@@ -19517,7 +19846,7 @@
         </p:nvSpPr>
         <p:spPr>
           <a:xfrm>
-            <a:off x="8063489" y="4093340"/>
+            <a:off x="7613693" y="4449929"/>
             <a:ext cx="1672253" cy="646331"/>
           </a:xfrm>
           <a:prstGeom prst="rect">
@@ -19545,6 +19874,41 @@
           </a:p>
         </p:txBody>
       </p:sp>
+      <p:pic>
+        <p:nvPicPr>
+          <p:cNvPr id="9" name="Imagem 8">
+            <a:extLst>
+              <a:ext uri="{FF2B5EF4-FFF2-40B4-BE49-F238E27FC236}">
+                <a16:creationId xmlns:a16="http://schemas.microsoft.com/office/drawing/2014/main" id="{EAB2CD94-2092-4ECA-A9B8-0E9FBA43C830}"/>
+              </a:ext>
+            </a:extLst>
+          </p:cNvPr>
+          <p:cNvPicPr>
+            <a:picLocks noChangeAspect="1"/>
+          </p:cNvPicPr>
+          <p:nvPr/>
+        </p:nvPicPr>
+        <p:blipFill rotWithShape="1">
+          <a:blip r:embed="rId2" cstate="screen">
+            <a:extLst>
+              <a:ext uri="{28A0092B-C50C-407E-A947-70E740481C1C}">
+                <a14:useLocalDpi xmlns:a14="http://schemas.microsoft.com/office/drawing/2010/main"/>
+              </a:ext>
+            </a:extLst>
+          </a:blip>
+          <a:srcRect/>
+          <a:stretch/>
+        </p:blipFill>
+        <p:spPr>
+          <a:xfrm>
+            <a:off x="1845940" y="3592286"/>
+            <a:ext cx="5599862" cy="2655784"/>
+          </a:xfrm>
+          <a:prstGeom prst="rect">
+            <a:avLst/>
+          </a:prstGeom>
+        </p:spPr>
+      </p:pic>
       <p:sp>
         <p:nvSpPr>
           <p:cNvPr id="11" name="Retângulo 10">
@@ -19559,8 +19923,8 @@
         </p:nvSpPr>
         <p:spPr>
           <a:xfrm>
-            <a:off x="6376977" y="3929477"/>
-            <a:ext cx="1464207" cy="1053983"/>
+            <a:off x="4225370" y="4305913"/>
+            <a:ext cx="1212396" cy="1005525"/>
           </a:xfrm>
           <a:prstGeom prst="rect">
             <a:avLst/>
@@ -19720,11 +20084,11 @@
             </a:r>
             <a:r>
               <a:rPr lang="pt-BR" dirty="0" err="1"/>
-              <a:t>Ctrl</a:t>
+              <a:t>Ctrl+Shift</a:t>
             </a:r>
             <a:r>
               <a:rPr lang="pt-BR" dirty="0"/>
-              <a:t>+`)</a:t>
+              <a:t>+’)</a:t>
             </a:r>
           </a:p>
         </p:txBody>
@@ -20786,10 +21150,10 @@
       </p:sp>
       <p:pic>
         <p:nvPicPr>
-          <p:cNvPr id="7" name="Imagem 6" descr="Uma imagem contendo captura de tela&#10;&#10;Descrição gerada automaticamente">
+          <p:cNvPr id="8" name="Imagem 7">
             <a:extLst>
               <a:ext uri="{FF2B5EF4-FFF2-40B4-BE49-F238E27FC236}">
-                <a16:creationId xmlns:a16="http://schemas.microsoft.com/office/drawing/2014/main" id="{CBA2499B-027B-41A3-88E2-6CB0273C9AA7}"/>
+                <a16:creationId xmlns:a16="http://schemas.microsoft.com/office/drawing/2014/main" id="{E8F1472E-B8E3-45E6-9025-FF97F97C74B5}"/>
               </a:ext>
             </a:extLst>
           </p:cNvPr>
@@ -20798,22 +21162,21 @@
           </p:cNvPicPr>
           <p:nvPr/>
         </p:nvPicPr>
-        <p:blipFill>
-          <a:blip r:embed="rId3">
+        <p:blipFill rotWithShape="1">
+          <a:blip r:embed="rId3" cstate="print">
             <a:extLst>
               <a:ext uri="{28A0092B-C50C-407E-A947-70E740481C1C}">
-                <a14:useLocalDpi xmlns:a14="http://schemas.microsoft.com/office/drawing/2010/main" val="0"/>
+                <a14:useLocalDpi xmlns:a14="http://schemas.microsoft.com/office/drawing/2010/main"/>
               </a:ext>
             </a:extLst>
           </a:blip>
-          <a:stretch>
-            <a:fillRect/>
-          </a:stretch>
+          <a:srcRect/>
+          <a:stretch/>
         </p:blipFill>
         <p:spPr>
           <a:xfrm>
             <a:off x="4942284" y="2852936"/>
-            <a:ext cx="5947898" cy="3168352"/>
+            <a:ext cx="5521086" cy="3168352"/>
           </a:xfrm>
           <a:prstGeom prst="rect">
             <a:avLst/>
@@ -21058,10 +21421,10 @@
       </p:sp>
       <p:pic>
         <p:nvPicPr>
-          <p:cNvPr id="7" name="Imagem 6">
+          <p:cNvPr id="5" name="Imagem 4">
             <a:extLst>
               <a:ext uri="{FF2B5EF4-FFF2-40B4-BE49-F238E27FC236}">
-                <a16:creationId xmlns:a16="http://schemas.microsoft.com/office/drawing/2014/main" id="{94F46F1D-6E49-4E60-9247-226185E382B7}"/>
+                <a16:creationId xmlns:a16="http://schemas.microsoft.com/office/drawing/2014/main" id="{FAACE251-7496-45FA-8345-F7DCCBB35C2F}"/>
               </a:ext>
             </a:extLst>
           </p:cNvPr>
@@ -21071,13 +21434,19 @@
           <p:nvPr/>
         </p:nvPicPr>
         <p:blipFill rotWithShape="1">
-          <a:blip r:embed="rId2"/>
-          <a:srcRect r="15185" b="16293"/>
+          <a:blip r:embed="rId2" cstate="print">
+            <a:extLst>
+              <a:ext uri="{28A0092B-C50C-407E-A947-70E740481C1C}">
+                <a14:useLocalDpi xmlns:a14="http://schemas.microsoft.com/office/drawing/2010/main"/>
+              </a:ext>
+            </a:extLst>
+          </a:blip>
+          <a:srcRect/>
           <a:stretch/>
         </p:blipFill>
         <p:spPr>
           <a:xfrm>
-            <a:off x="5878388" y="3501008"/>
+            <a:off x="5950396" y="3429000"/>
             <a:ext cx="4911824" cy="2503537"/>
           </a:xfrm>
           <a:prstGeom prst="rect">
@@ -21207,7 +21576,7 @@
             </a:r>
             <a:r>
               <a:rPr lang="pt-BR" dirty="0"/>
-              <a:t> a partir de modelo – </a:t>
+              <a:t> do modelo - </a:t>
             </a:r>
             <a:r>
               <a:rPr lang="pt-BR" dirty="0" err="1"/>
@@ -22397,7 +22766,7 @@
                 </a:solidFill>
                 <a:latin typeface="Consolas" panose="020B0609020204030204" pitchFamily="49" charset="0"/>
               </a:rPr>
-              <a:t>: [</a:t>
+              <a:t>: </a:t>
             </a:r>
             <a:r>
               <a:rPr lang="pt-BR" sz="1400" dirty="0">
@@ -22433,7 +22802,7 @@
                 </a:solidFill>
                 <a:latin typeface="Consolas" panose="020B0609020204030204" pitchFamily="49" charset="0"/>
               </a:rPr>
-              <a:t>],</a:t>
+              <a:t>,</a:t>
             </a:r>
           </a:p>
         </p:txBody>
@@ -24101,7 +24470,7 @@
             <a:pPr lvl="1"/>
             <a:r>
               <a:rPr lang="pt-BR" dirty="0"/>
-              <a:t>Depurar – Iniciar Depuração (F5) - C++ (GDB/LLDB) – Configuração Padrão</a:t>
+              <a:t>Executar – Iniciar Depuração (F5) - C++ (GDB/LLDB) – Configuração Padrão</a:t>
             </a:r>
           </a:p>
           <a:p>

--- a/Slides/02. Ambiente de Trabalho - VS Code.pptx
+++ b/Slides/02. Ambiente de Trabalho - VS Code.pptx
@@ -504,7 +504,7 @@
   <pc:docChgLst>
     <pc:chgData name="Judson Santiago" userId="ebb108da2f256286" providerId="LiveId" clId="{60C4A0BA-CB36-4904-896B-D8471D06D32A}"/>
     <pc:docChg chg="custSel modSld">
-      <pc:chgData name="Judson Santiago" userId="ebb108da2f256286" providerId="LiveId" clId="{60C4A0BA-CB36-4904-896B-D8471D06D32A}" dt="2021-03-01T19:55:02.253" v="67" actId="732"/>
+      <pc:chgData name="Judson Santiago" userId="ebb108da2f256286" providerId="LiveId" clId="{60C4A0BA-CB36-4904-896B-D8471D06D32A}" dt="2021-03-14T15:05:04.279" v="73" actId="6549"/>
       <pc:docMkLst>
         <pc:docMk/>
       </pc:docMkLst>
@@ -623,6 +623,21 @@
             <ac:picMk id="9" creationId="{EAB2CD94-2092-4ECA-A9B8-0E9FBA43C830}"/>
           </ac:picMkLst>
         </pc:picChg>
+      </pc:sldChg>
+      <pc:sldChg chg="modSp mod">
+        <pc:chgData name="Judson Santiago" userId="ebb108da2f256286" providerId="LiveId" clId="{60C4A0BA-CB36-4904-896B-D8471D06D32A}" dt="2021-03-14T15:05:04.279" v="73" actId="6549"/>
+        <pc:sldMkLst>
+          <pc:docMk/>
+          <pc:sldMk cId="1929981082" sldId="319"/>
+        </pc:sldMkLst>
+        <pc:spChg chg="mod">
+          <ac:chgData name="Judson Santiago" userId="ebb108da2f256286" providerId="LiveId" clId="{60C4A0BA-CB36-4904-896B-D8471D06D32A}" dt="2021-03-14T15:05:04.279" v="73" actId="6549"/>
+          <ac:spMkLst>
+            <pc:docMk/>
+            <pc:sldMk cId="1929981082" sldId="319"/>
+            <ac:spMk id="3" creationId="{AD342B88-6BE6-4F4C-8AA9-068A51C42447}"/>
+          </ac:spMkLst>
+        </pc:spChg>
       </pc:sldChg>
     </pc:docChg>
   </pc:docChgLst>
@@ -9082,7 +9097,7 @@
             <a:pPr rtl="0"/>
             <a:fld id="{6BFEDBB9-17B2-4B3E-927F-6A2C95FBF9DC}" type="datetime1">
               <a:rPr lang="pt-BR" smtClean="0"/>
-              <a:t>01/03/2021</a:t>
+              <a:t>14/03/2021</a:t>
             </a:fld>
             <a:endParaRPr lang="pt-BR" dirty="0"/>
           </a:p>
@@ -9252,7 +9267,7 @@
             <a:pPr rtl="0"/>
             <a:fld id="{7CFDB409-DC9D-40CF-939D-973CAB3BAB25}" type="datetime1">
               <a:rPr lang="pt-BR" noProof="0" smtClean="0"/>
-              <a:t>01/03/2021</a:t>
+              <a:t>14/03/2021</a:t>
             </a:fld>
             <a:endParaRPr lang="pt-BR" noProof="0" dirty="0"/>
           </a:p>
@@ -11316,7 +11331,7 @@
             <a:pPr rtl="0"/>
             <a:fld id="{7386073F-07CC-4F54-983C-A08F76E2B22C}" type="datetime1">
               <a:rPr lang="pt-BR" noProof="0" smtClean="0"/>
-              <a:t>01/03/2021</a:t>
+              <a:t>14/03/2021</a:t>
             </a:fld>
             <a:endParaRPr lang="pt-BR" noProof="0" dirty="0"/>
           </a:p>
@@ -11540,7 +11555,7 @@
             <a:pPr rtl="0"/>
             <a:fld id="{A09B9D17-E8D2-48F1-BB8E-8435624068C9}" type="datetime1">
               <a:rPr lang="pt-BR" noProof="0" smtClean="0"/>
-              <a:t>01/03/2021</a:t>
+              <a:t>14/03/2021</a:t>
             </a:fld>
             <a:endParaRPr lang="pt-BR" noProof="0" dirty="0"/>
           </a:p>
@@ -11828,7 +11843,7 @@
             <a:pPr rtl="0"/>
             <a:fld id="{3CC651F5-80DD-4CFE-BBBA-2C23591EF509}" type="datetime1">
               <a:rPr lang="pt-BR" noProof="0" smtClean="0"/>
-              <a:t>01/03/2021</a:t>
+              <a:t>14/03/2021</a:t>
             </a:fld>
             <a:endParaRPr lang="pt-BR" noProof="0" dirty="0"/>
           </a:p>
@@ -12158,7 +12173,7 @@
             <a:pPr rtl="0"/>
             <a:fld id="{E20F3F8A-A3F9-49EF-8A63-4F3E8648871C}" type="datetime1">
               <a:rPr lang="pt-BR" noProof="0" smtClean="0"/>
-              <a:t>01/03/2021</a:t>
+              <a:t>14/03/2021</a:t>
             </a:fld>
             <a:endParaRPr lang="pt-BR" noProof="0" dirty="0"/>
           </a:p>
@@ -12640,7 +12655,7 @@
             <a:pPr rtl="0"/>
             <a:fld id="{DEB5B092-D646-433C-8E29-1081397BD56B}" type="datetime1">
               <a:rPr lang="pt-BR" noProof="0" smtClean="0"/>
-              <a:t>01/03/2021</a:t>
+              <a:t>14/03/2021</a:t>
             </a:fld>
             <a:endParaRPr lang="pt-BR" noProof="0" dirty="0"/>
           </a:p>
@@ -12768,7 +12783,7 @@
             <a:pPr rtl="0"/>
             <a:fld id="{BB4CE6DC-A634-42A5-81DE-6C671B621413}" type="datetime1">
               <a:rPr lang="pt-BR" noProof="0" smtClean="0"/>
-              <a:t>01/03/2021</a:t>
+              <a:t>14/03/2021</a:t>
             </a:fld>
             <a:endParaRPr lang="pt-BR" noProof="0" dirty="0"/>
           </a:p>
@@ -13088,7 +13103,7 @@
             <a:pPr rtl="0"/>
             <a:fld id="{D2212A4E-660E-4296-8499-89CF1C51321A}" type="datetime1">
               <a:rPr lang="pt-BR" noProof="0" smtClean="0"/>
-              <a:t>01/03/2021</a:t>
+              <a:t>14/03/2021</a:t>
             </a:fld>
             <a:endParaRPr lang="pt-BR" noProof="0" dirty="0"/>
           </a:p>
@@ -13426,7 +13441,7 @@
             <a:pPr rtl="0"/>
             <a:fld id="{B1912D32-F3CE-450A-AE4E-30B99005B8FD}" type="datetime1">
               <a:rPr lang="pt-BR" noProof="0" smtClean="0"/>
-              <a:t>01/03/2021</a:t>
+              <a:t>14/03/2021</a:t>
             </a:fld>
             <a:endParaRPr lang="pt-BR" noProof="0" dirty="0"/>
           </a:p>
@@ -13624,7 +13639,7 @@
             <a:pPr rtl="0"/>
             <a:fld id="{7B7F50BC-2F98-4AAD-BE27-6A84E4E8AC1C}" type="datetime1">
               <a:rPr lang="pt-BR" noProof="0" smtClean="0"/>
-              <a:t>01/03/2021</a:t>
+              <a:t>14/03/2021</a:t>
             </a:fld>
             <a:endParaRPr lang="pt-BR" noProof="0" dirty="0"/>
           </a:p>
@@ -13875,7 +13890,7 @@
             <a:pPr rtl="0"/>
             <a:fld id="{BFCDB3FC-E508-4872-9DA3-DD0C1E84DD1A}" type="datetime1">
               <a:rPr lang="pt-BR" noProof="0" smtClean="0"/>
-              <a:t>01/03/2021</a:t>
+              <a:t>14/03/2021</a:t>
             </a:fld>
             <a:endParaRPr lang="pt-BR" noProof="0" dirty="0"/>
           </a:p>
@@ -20084,7 +20099,7 @@
             </a:r>
             <a:r>
               <a:rPr lang="pt-BR" dirty="0" err="1"/>
-              <a:t>Ctrl+Shift</a:t>
+              <a:t>Ctrl</a:t>
             </a:r>
             <a:r>
               <a:rPr lang="pt-BR" dirty="0"/>
@@ -26142,26 +26157,6 @@
 </file>
 
 <file path=customXml/item1.xml><?xml version="1.0" encoding="utf-8"?>
-<p:properties xmlns:p="http://schemas.microsoft.com/office/2006/metadata/properties" xmlns:xsi="http://www.w3.org/2001/XMLSchema-instance" xmlns:pc="http://schemas.microsoft.com/office/infopath/2007/PartnerControls">
-  <documentManagement>
-    <VSO_x0020_item_x0020_id xmlns="40262f94-9f35-4ac3-9a90-690165a166b7" xsi:nil="true"/>
-    <Assetid_x0020_ xmlns="40262f94-9f35-4ac3-9a90-690165a166b7" xsi:nil="true"/>
-    <Item_x0020_Details xmlns="40262f94-9f35-4ac3-9a90-690165a166b7" xsi:nil="true"/>
-    <Template_x0020_details xmlns="40262f94-9f35-4ac3-9a90-690165a166b7" xsi:nil="true"/>
-  </documentManagement>
-</p:properties>
-</file>
-
-<file path=customXml/item2.xml><?xml version="1.0" encoding="utf-8"?>
-<?mso-contentType ?>
-<FormTemplates xmlns="http://schemas.microsoft.com/sharepoint/v3/contenttype/forms">
-  <Display>DocumentLibraryForm</Display>
-  <Edit>DocumentLibraryForm</Edit>
-  <New>DocumentLibraryForm</New>
-</FormTemplates>
-</file>
-
-<file path=customXml/item3.xml><?xml version="1.0" encoding="utf-8"?>
 <ct:contentTypeSchema xmlns:ct="http://schemas.microsoft.com/office/2006/metadata/contentType" xmlns:ma="http://schemas.microsoft.com/office/2006/metadata/properties/metaAttributes" ct:_="" ma:_="" ma:contentTypeName="Document" ma:contentTypeID="0x010100AA3F7D94069FF64A86F7DFF56D60E3BE" ma:contentTypeVersion="6" ma:contentTypeDescription="Create a new document." ma:contentTypeScope="" ma:versionID="c32302c77d4085ecf495bdddb7f5e889">
   <xsd:schema xmlns:xsd="http://www.w3.org/2001/XMLSchema" xmlns:xs="http://www.w3.org/2001/XMLSchema" xmlns:p="http://schemas.microsoft.com/office/2006/metadata/properties" xmlns:ns2="a4f35948-e619-41b3-aa29-22878b09cfd2" xmlns:ns3="40262f94-9f35-4ac3-9a90-690165a166b7" targetNamespace="http://schemas.microsoft.com/office/2006/metadata/properties" ma:root="true" ma:fieldsID="4ab5ae46be95f9d0be6107e8200be7a2" ns2:_="" ns3:_="">
     <xsd:import namespace="a4f35948-e619-41b3-aa29-22878b09cfd2"/>
@@ -26342,25 +26337,27 @@
 </ct:contentTypeSchema>
 </file>
 
-<file path=customXml/itemProps1.xml><?xml version="1.0" encoding="utf-8"?>
-<ds:datastoreItem xmlns:ds="http://schemas.openxmlformats.org/officeDocument/2006/customXml" ds:itemID="{045C5BB1-9D2C-412A-AE6C-0FC75190A4CE}">
-  <ds:schemaRefs>
-    <ds:schemaRef ds:uri="http://schemas.microsoft.com/office/2006/metadata/properties"/>
-    <ds:schemaRef ds:uri="http://schemas.microsoft.com/office/infopath/2007/PartnerControls"/>
-    <ds:schemaRef ds:uri="40262f94-9f35-4ac3-9a90-690165a166b7"/>
-  </ds:schemaRefs>
-</ds:datastoreItem>
+<file path=customXml/item2.xml><?xml version="1.0" encoding="utf-8"?>
+<?mso-contentType ?>
+<FormTemplates xmlns="http://schemas.microsoft.com/sharepoint/v3/contenttype/forms">
+  <Display>DocumentLibraryForm</Display>
+  <Edit>DocumentLibraryForm</Edit>
+  <New>DocumentLibraryForm</New>
+</FormTemplates>
 </file>
 
-<file path=customXml/itemProps2.xml><?xml version="1.0" encoding="utf-8"?>
-<ds:datastoreItem xmlns:ds="http://schemas.openxmlformats.org/officeDocument/2006/customXml" ds:itemID="{2B6DE00F-F2BC-4082-AB87-D0D78777DE1E}">
-  <ds:schemaRefs>
-    <ds:schemaRef ds:uri="http://schemas.microsoft.com/sharepoint/v3/contenttype/forms"/>
-  </ds:schemaRefs>
-</ds:datastoreItem>
+<file path=customXml/item3.xml><?xml version="1.0" encoding="utf-8"?>
+<p:properties xmlns:p="http://schemas.microsoft.com/office/2006/metadata/properties" xmlns:xsi="http://www.w3.org/2001/XMLSchema-instance" xmlns:pc="http://schemas.microsoft.com/office/infopath/2007/PartnerControls">
+  <documentManagement>
+    <VSO_x0020_item_x0020_id xmlns="40262f94-9f35-4ac3-9a90-690165a166b7" xsi:nil="true"/>
+    <Assetid_x0020_ xmlns="40262f94-9f35-4ac3-9a90-690165a166b7" xsi:nil="true"/>
+    <Item_x0020_Details xmlns="40262f94-9f35-4ac3-9a90-690165a166b7" xsi:nil="true"/>
+    <Template_x0020_details xmlns="40262f94-9f35-4ac3-9a90-690165a166b7" xsi:nil="true"/>
+  </documentManagement>
+</p:properties>
 </file>
 
-<file path=customXml/itemProps3.xml><?xml version="1.0" encoding="utf-8"?>
+<file path=customXml/itemProps1.xml><?xml version="1.0" encoding="utf-8"?>
 <ds:datastoreItem xmlns:ds="http://schemas.openxmlformats.org/officeDocument/2006/customXml" ds:itemID="{E6A2223A-9182-462D-922F-5606A5A90760}">
   <ds:schemaRefs>
     <ds:schemaRef ds:uri="http://schemas.microsoft.com/office/2006/metadata/contentType"/>
@@ -26377,4 +26374,22 @@
     <ds:schemaRef ds:uri="http://schemas.microsoft.com/internal/obd"/>
   </ds:schemaRefs>
 </ds:datastoreItem>
+</file>
+
+<file path=customXml/itemProps2.xml><?xml version="1.0" encoding="utf-8"?>
+<ds:datastoreItem xmlns:ds="http://schemas.openxmlformats.org/officeDocument/2006/customXml" ds:itemID="{2B6DE00F-F2BC-4082-AB87-D0D78777DE1E}">
+  <ds:schemaRefs>
+    <ds:schemaRef ds:uri="http://schemas.microsoft.com/sharepoint/v3/contenttype/forms"/>
+  </ds:schemaRefs>
+</ds:datastoreItem>
+</file>
+
+<file path=customXml/itemProps3.xml><?xml version="1.0" encoding="utf-8"?>
+<ds:datastoreItem xmlns:ds="http://schemas.openxmlformats.org/officeDocument/2006/customXml" ds:itemID="{045C5BB1-9D2C-412A-AE6C-0FC75190A4CE}">
+  <ds:schemaRefs>
+    <ds:schemaRef ds:uri="http://schemas.microsoft.com/office/2006/metadata/properties"/>
+    <ds:schemaRef ds:uri="http://schemas.microsoft.com/office/infopath/2007/PartnerControls"/>
+    <ds:schemaRef ds:uri="40262f94-9f35-4ac3-9a90-690165a166b7"/>
+  </ds:schemaRefs>
+</ds:datastoreItem>
 </file>